--- a/CAP III.pptx
+++ b/CAP III.pptx
@@ -8,9 +8,12 @@
     <p:sldId id="257" r:id="rId2"/>
     <p:sldId id="259" r:id="rId3"/>
     <p:sldId id="258" r:id="rId4"/>
-    <p:sldId id="260" r:id="rId5"/>
-    <p:sldId id="261" r:id="rId6"/>
-    <p:sldId id="262" r:id="rId7"/>
+    <p:sldId id="265" r:id="rId5"/>
+    <p:sldId id="263" r:id="rId6"/>
+    <p:sldId id="264" r:id="rId7"/>
+    <p:sldId id="260" r:id="rId8"/>
+    <p:sldId id="261" r:id="rId9"/>
+    <p:sldId id="262" r:id="rId10"/>
   </p:sldIdLst>
   <p:sldSz cx="12192000" cy="6858000"/>
   <p:notesSz cx="6858000" cy="9144000"/>
@@ -109,6 +112,11 @@
       </a:defRPr>
     </a:lvl9pPr>
   </p:defaultTextStyle>
+  <p:extLst>
+    <p:ext uri="{EFAFB233-063F-42B5-8137-9DF3F51BA10A}">
+      <p15:sldGuideLst xmlns:p15="http://schemas.microsoft.com/office/powerpoint/2012/main"/>
+    </p:ext>
+  </p:extLst>
 </p:presentation>
 </file>
 
@@ -6575,6 +6583,12 @@
               </a:spcAft>
               <a:buNone/>
             </a:pPr>
+            <a:r>
+              <a:rPr lang="es-ES" altLang="es-ES" sz="2000" dirty="0">
+                <a:latin typeface="Century Gothic" panose="020B0502020202020204" pitchFamily="34" charset="0"/>
+              </a:rPr>
+              <a:t/>
+            </a:r>
             <a:br>
               <a:rPr lang="es-ES" altLang="es-ES" sz="2000" dirty="0">
                 <a:latin typeface="Century Gothic" panose="020B0502020202020204" pitchFamily="34" charset="0"/>
@@ -6629,6 +6643,12 @@
               </a:rPr>
               <a:t>Z409</a:t>
             </a:r>
+            <a:r>
+              <a:rPr lang="es-ES" altLang="es-ES" sz="2000" dirty="0">
+                <a:latin typeface="Century Gothic" panose="020B0502020202020204" pitchFamily="34" charset="0"/>
+              </a:rPr>
+              <a:t/>
+            </a:r>
             <a:br>
               <a:rPr lang="es-ES" altLang="es-ES" sz="2000" dirty="0">
                 <a:latin typeface="Century Gothic" panose="020B0502020202020204" pitchFamily="34" charset="0"/>
@@ -6658,6 +6678,12 @@
               </a:spcAft>
               <a:buNone/>
             </a:pPr>
+            <a:r>
+              <a:rPr lang="es-ES" altLang="es-ES" sz="2000" dirty="0">
+                <a:latin typeface="Century Gothic" panose="020B0502020202020204" pitchFamily="34" charset="0"/>
+              </a:rPr>
+              <a:t/>
+            </a:r>
             <a:br>
               <a:rPr lang="es-ES" altLang="es-ES" sz="2000" dirty="0">
                 <a:latin typeface="Century Gothic" panose="020B0502020202020204" pitchFamily="34" charset="0"/>
@@ -6686,11 +6712,23 @@
               </a:spcAft>
               <a:buNone/>
             </a:pPr>
+            <a:r>
+              <a:rPr lang="es-ES" altLang="es-ES" sz="2000" dirty="0">
+                <a:latin typeface="Century Gothic" panose="020B0502020202020204" pitchFamily="34" charset="0"/>
+              </a:rPr>
+              <a:t/>
+            </a:r>
             <a:br>
               <a:rPr lang="es-ES" altLang="es-ES" sz="2000" dirty="0">
                 <a:latin typeface="Century Gothic" panose="020B0502020202020204" pitchFamily="34" charset="0"/>
               </a:rPr>
             </a:br>
+            <a:r>
+              <a:rPr lang="es-ES" altLang="es-ES" sz="2000" dirty="0">
+                <a:latin typeface="Century Gothic" panose="020B0502020202020204" pitchFamily="34" charset="0"/>
+              </a:rPr>
+              <a:t/>
+            </a:r>
             <a:br>
               <a:rPr lang="es-ES" altLang="es-ES" sz="2000" dirty="0">
                 <a:latin typeface="Century Gothic" panose="020B0502020202020204" pitchFamily="34" charset="0"/>
@@ -6719,6 +6757,12 @@
               </a:spcAft>
               <a:buNone/>
             </a:pPr>
+            <a:r>
+              <a:rPr lang="es-ES" altLang="es-ES" sz="2000" dirty="0">
+                <a:latin typeface="Century Gothic" panose="020B0502020202020204" pitchFamily="34" charset="0"/>
+              </a:rPr>
+              <a:t/>
+            </a:r>
             <a:br>
               <a:rPr lang="es-ES" altLang="es-ES" sz="2000" dirty="0">
                 <a:latin typeface="Century Gothic" panose="020B0502020202020204" pitchFamily="34" charset="0"/>
@@ -7224,6 +7268,12 @@
               </a:spcAft>
               <a:buNone/>
             </a:pPr>
+            <a:r>
+              <a:rPr lang="es-ES" altLang="es-ES" sz="1800" dirty="0">
+                <a:latin typeface="Century Gothic" panose="020B0502020202020204" pitchFamily="34" charset="0"/>
+              </a:rPr>
+              <a:t/>
+            </a:r>
             <a:br>
               <a:rPr lang="es-ES" altLang="es-ES" sz="1800" dirty="0">
                 <a:latin typeface="Century Gothic" panose="020B0502020202020204" pitchFamily="34" charset="0"/>
@@ -7443,6 +7493,12 @@
               </a:spcAft>
               <a:buNone/>
             </a:pPr>
+            <a:r>
+              <a:rPr lang="es-ES" altLang="es-ES" sz="1800" dirty="0">
+                <a:latin typeface="Century Gothic" panose="020B0502020202020204" pitchFamily="34" charset="0"/>
+              </a:rPr>
+              <a:t/>
+            </a:r>
             <a:br>
               <a:rPr lang="es-ES" altLang="es-ES" sz="1800" dirty="0">
                 <a:latin typeface="Century Gothic" panose="020B0502020202020204" pitchFamily="34" charset="0"/>
@@ -7908,7 +7964,7 @@
           <p:cNvPr id="4" name="Rectangle 2">
             <a:extLst>
               <a:ext uri="{FF2B5EF4-FFF2-40B4-BE49-F238E27FC236}">
-                <a16:creationId xmlns:a16="http://schemas.microsoft.com/office/drawing/2014/main" id="{103C79C6-0FA0-4D84-B9B3-07C63F1E5ABE}"/>
+                <a16:creationId xmlns:a16="http://schemas.microsoft.com/office/drawing/2014/main" xmlns="" id="{103C79C6-0FA0-4D84-B9B3-07C63F1E5ABE}"/>
               </a:ext>
             </a:extLst>
           </p:cNvPr>
@@ -7977,7 +8033,7 @@
           <p:cNvPr id="6" name="Rectangle 3">
             <a:extLst>
               <a:ext uri="{FF2B5EF4-FFF2-40B4-BE49-F238E27FC236}">
-                <a16:creationId xmlns:a16="http://schemas.microsoft.com/office/drawing/2014/main" id="{4B17559F-7952-4B97-838B-678E2D149F2F}"/>
+                <a16:creationId xmlns:a16="http://schemas.microsoft.com/office/drawing/2014/main" xmlns="" id="{4B17559F-7952-4B97-838B-678E2D149F2F}"/>
               </a:ext>
             </a:extLst>
           </p:cNvPr>
@@ -8114,7 +8170,7 @@
           <p:cNvPr id="7" name="Rectángulo 6">
             <a:extLst>
               <a:ext uri="{FF2B5EF4-FFF2-40B4-BE49-F238E27FC236}">
-                <a16:creationId xmlns:a16="http://schemas.microsoft.com/office/drawing/2014/main" id="{65FA3060-D12F-4EC7-8072-1859CAF63C28}"/>
+                <a16:creationId xmlns:a16="http://schemas.microsoft.com/office/drawing/2014/main" xmlns="" id="{65FA3060-D12F-4EC7-8072-1859CAF63C28}"/>
               </a:ext>
             </a:extLst>
           </p:cNvPr>
@@ -8183,7 +8239,7 @@
           <p:cNvPr id="2" name="Título 1">
             <a:extLst>
               <a:ext uri="{FF2B5EF4-FFF2-40B4-BE49-F238E27FC236}">
-                <a16:creationId xmlns:a16="http://schemas.microsoft.com/office/drawing/2014/main" id="{3D14D51E-76D7-45AC-911B-F0B297D44027}"/>
+                <a16:creationId xmlns:a16="http://schemas.microsoft.com/office/drawing/2014/main" xmlns="" id="{3D14D51E-76D7-45AC-911B-F0B297D44027}"/>
               </a:ext>
             </a:extLst>
           </p:cNvPr>
@@ -8200,16 +8256,16 @@
           <a:lstStyle/>
           <a:p>
             <a:r>
-              <a:rPr lang="es-ES" b="1" dirty="0" err="1"/>
-              <a:t>WireFrames</a:t>
-            </a:r>
-            <a:r>
-              <a:rPr lang="es-ES" b="1" dirty="0"/>
-              <a:t> </a:t>
-            </a:r>
-            <a:r>
-              <a:rPr lang="es-ES" b="1" dirty="0" err="1"/>
-              <a:t>Movil</a:t>
+              <a:rPr lang="es-ES" b="1" dirty="0" smtClean="0"/>
+              <a:t>Wireframes </a:t>
+            </a:r>
+            <a:r>
+              <a:rPr lang="es-ES" b="1" dirty="0" smtClean="0"/>
+              <a:t>Desktop</a:t>
+            </a:r>
+            <a:r>
+              <a:rPr lang="es-PE" dirty="0"/>
+              <a:t/>
             </a:r>
             <a:br>
               <a:rPr lang="es-PE" dirty="0"/>
@@ -8223,7 +8279,7 @@
           <p:cNvPr id="3" name="Marcador de contenido 2">
             <a:extLst>
               <a:ext uri="{FF2B5EF4-FFF2-40B4-BE49-F238E27FC236}">
-                <a16:creationId xmlns:a16="http://schemas.microsoft.com/office/drawing/2014/main" id="{8E67C468-FE6C-4D6C-9D47-74E28B1790D9}"/>
+                <a16:creationId xmlns:a16="http://schemas.microsoft.com/office/drawing/2014/main" xmlns="" id="{8E67C468-FE6C-4D6C-9D47-74E28B1790D9}"/>
               </a:ext>
             </a:extLst>
           </p:cNvPr>
@@ -8247,9 +8303,9 @@
               <a:rPr lang="es-PE" u="sng" dirty="0">
                 <a:hlinkClick r:id="rId2"/>
               </a:rPr>
-              <a:t>https://www.lucidchart.com/invitations/accept/be8335f3-e2ef-47e0-9a2f-a58450d58330</a:t>
-            </a:r>
-            <a:endParaRPr lang="es-PE" u="sng" dirty="0"/>
+              <a:t>https://www.lucidchart.com/invitations/accept/8e45d7dd-db87-496c-b2d1-63c0eed44d68</a:t>
+            </a:r>
+            <a:endParaRPr lang="es-PE" dirty="0"/>
           </a:p>
           <a:p>
             <a:endParaRPr lang="es-PE" u="sng" dirty="0"/>
@@ -8268,14 +8324,11 @@
             <a:endParaRPr lang="es-PE" dirty="0"/>
           </a:p>
           <a:p>
-            <a:pPr marL="0" indent="0">
-              <a:buNone/>
-            </a:pPr>
-            <a:r>
-              <a:rPr lang="es-ES" u="sng" dirty="0">
+            <a:r>
+              <a:rPr lang="es-PE" u="sng" dirty="0">
                 <a:hlinkClick r:id="rId3"/>
               </a:rPr>
-              <a:t>https://www.lucidchart.com/invitations/accept/8e45d7dd-db87-496c-b2d1-63c0eed44d68</a:t>
+              <a:t>https://www.lucidchart.com/invitations/accept/ce4e8f15-73c4-4e76-bfa1-44b409f387c5</a:t>
             </a:r>
             <a:endParaRPr lang="es-PE" dirty="0"/>
           </a:p>
@@ -8287,7 +8340,7 @@
     </p:spTree>
     <p:extLst>
       <p:ext uri="{BB962C8B-B14F-4D97-AF65-F5344CB8AC3E}">
-        <p14:creationId xmlns:p14="http://schemas.microsoft.com/office/powerpoint/2010/main" val="4262899324"/>
+        <p14:creationId xmlns:p14="http://schemas.microsoft.com/office/powerpoint/2010/main" val="4256351900"/>
       </p:ext>
     </p:extLst>
   </p:cSld>
@@ -8319,7 +8372,7 @@
           <p:cNvPr id="2" name="Título 1">
             <a:extLst>
               <a:ext uri="{FF2B5EF4-FFF2-40B4-BE49-F238E27FC236}">
-                <a16:creationId xmlns:a16="http://schemas.microsoft.com/office/drawing/2014/main" id="{2BF4D5DF-C50B-4708-A43A-914AEA7DFDCA}"/>
+                <a16:creationId xmlns:a16="http://schemas.microsoft.com/office/drawing/2014/main" xmlns="" id="{2BF4D5DF-C50B-4708-A43A-914AEA7DFDCA}"/>
               </a:ext>
             </a:extLst>
           </p:cNvPr>
@@ -8342,6 +8395,782 @@
           <a:p>
             <a:r>
               <a:rPr lang="es-ES" sz="2800" b="1" dirty="0"/>
+              <a:t>Diagrama de flujo entre Wireframes </a:t>
+            </a:r>
+            <a:r>
+              <a:rPr lang="es-ES" sz="2800" b="1" dirty="0" smtClean="0"/>
+              <a:t>Desktop (</a:t>
+            </a:r>
+            <a:r>
+              <a:rPr lang="es-ES" sz="2800" b="1" dirty="0"/>
+              <a:t>Supervisor/Administrador</a:t>
+            </a:r>
+            <a:r>
+              <a:rPr lang="es-ES" sz="2800" b="1" dirty="0"/>
+              <a:t>)</a:t>
+            </a:r>
+            <a:r>
+              <a:rPr lang="es-PE" dirty="0"/>
+              <a:t/>
+            </a:r>
+            <a:br>
+              <a:rPr lang="es-PE" dirty="0"/>
+            </a:br>
+            <a:endParaRPr lang="es-PE" dirty="0"/>
+          </a:p>
+        </p:txBody>
+      </p:sp>
+      <p:sp>
+        <p:nvSpPr>
+          <p:cNvPr id="12" name="Rectángulo 11"/>
+          <p:cNvSpPr/>
+          <p:nvPr/>
+        </p:nvSpPr>
+        <p:spPr>
+          <a:xfrm>
+            <a:off x="645130" y="1326524"/>
+            <a:ext cx="11151918" cy="5306096"/>
+          </a:xfrm>
+          <a:prstGeom prst="rect">
+            <a:avLst/>
+          </a:prstGeom>
+          <a:solidFill>
+            <a:schemeClr val="tx1"/>
+          </a:solidFill>
+          <a:ln>
+            <a:solidFill>
+              <a:schemeClr val="tx1"/>
+            </a:solidFill>
+          </a:ln>
+        </p:spPr>
+        <p:style>
+          <a:lnRef idx="2">
+            <a:schemeClr val="accent1">
+              <a:shade val="50000"/>
+            </a:schemeClr>
+          </a:lnRef>
+          <a:fillRef idx="1">
+            <a:schemeClr val="accent1"/>
+          </a:fillRef>
+          <a:effectRef idx="0">
+            <a:schemeClr val="accent1"/>
+          </a:effectRef>
+          <a:fontRef idx="minor">
+            <a:schemeClr val="lt1"/>
+          </a:fontRef>
+        </p:style>
+        <p:txBody>
+          <a:bodyPr rtlCol="0" anchor="ctr"/>
+          <a:lstStyle/>
+          <a:p>
+            <a:pPr algn="ctr"/>
+            <a:endParaRPr lang="es-PE"/>
+          </a:p>
+        </p:txBody>
+      </p:sp>
+      <p:grpSp>
+        <p:nvGrpSpPr>
+          <p:cNvPr id="13" name="Grupo 12"/>
+          <p:cNvGrpSpPr/>
+          <p:nvPr/>
+        </p:nvGrpSpPr>
+        <p:grpSpPr>
+          <a:xfrm>
+            <a:off x="645130" y="1414198"/>
+            <a:ext cx="11089232" cy="5130748"/>
+            <a:chOff x="-5711" y="-20438"/>
+            <a:chExt cx="8897668" cy="5407778"/>
+          </a:xfrm>
+        </p:grpSpPr>
+        <p:pic>
+          <p:nvPicPr>
+            <p:cNvPr id="14" name="Imagen 13"/>
+            <p:cNvPicPr>
+              <a:picLocks noChangeAspect="1"/>
+            </p:cNvPicPr>
+            <p:nvPr/>
+          </p:nvPicPr>
+          <p:blipFill rotWithShape="1">
+            <a:blip r:embed="rId2">
+              <a:extLst>
+                <a:ext uri="{28A0092B-C50C-407E-A947-70E740481C1C}">
+                  <a14:useLocalDpi xmlns:a14="http://schemas.microsoft.com/office/drawing/2010/main" val="0"/>
+                </a:ext>
+              </a:extLst>
+            </a:blip>
+            <a:srcRect l="3265" r="2485"/>
+            <a:stretch/>
+          </p:blipFill>
+          <p:spPr bwMode="auto">
+            <a:xfrm>
+              <a:off x="-5711" y="-20438"/>
+              <a:ext cx="2402518" cy="2422126"/>
+            </a:xfrm>
+            <a:prstGeom prst="rect">
+              <a:avLst/>
+            </a:prstGeom>
+            <a:noFill/>
+            <a:ln>
+              <a:noFill/>
+            </a:ln>
+          </p:spPr>
+        </p:pic>
+        <p:pic>
+          <p:nvPicPr>
+            <p:cNvPr id="15" name="Imagen 14"/>
+            <p:cNvPicPr>
+              <a:picLocks noChangeAspect="1"/>
+            </p:cNvPicPr>
+            <p:nvPr/>
+          </p:nvPicPr>
+          <p:blipFill>
+            <a:blip r:embed="rId3">
+              <a:extLst>
+                <a:ext uri="{28A0092B-C50C-407E-A947-70E740481C1C}">
+                  <a14:useLocalDpi xmlns:a14="http://schemas.microsoft.com/office/drawing/2010/main" val="0"/>
+                </a:ext>
+              </a:extLst>
+            </a:blip>
+            <a:srcRect/>
+            <a:stretch>
+              <a:fillRect/>
+            </a:stretch>
+          </p:blipFill>
+          <p:spPr bwMode="auto">
+            <a:xfrm>
+              <a:off x="2400300" y="0"/>
+              <a:ext cx="3582035" cy="2428875"/>
+            </a:xfrm>
+            <a:prstGeom prst="rect">
+              <a:avLst/>
+            </a:prstGeom>
+            <a:noFill/>
+            <a:ln>
+              <a:noFill/>
+            </a:ln>
+          </p:spPr>
+        </p:pic>
+        <p:pic>
+          <p:nvPicPr>
+            <p:cNvPr id="16" name="Imagen 15"/>
+            <p:cNvPicPr>
+              <a:picLocks noChangeAspect="1"/>
+            </p:cNvPicPr>
+            <p:nvPr/>
+          </p:nvPicPr>
+          <p:blipFill>
+            <a:blip r:embed="rId4">
+              <a:extLst>
+                <a:ext uri="{28A0092B-C50C-407E-A947-70E740481C1C}">
+                  <a14:useLocalDpi xmlns:a14="http://schemas.microsoft.com/office/drawing/2010/main" val="0"/>
+                </a:ext>
+              </a:extLst>
+            </a:blip>
+            <a:srcRect/>
+            <a:stretch>
+              <a:fillRect/>
+            </a:stretch>
+          </p:blipFill>
+          <p:spPr bwMode="auto">
+            <a:xfrm>
+              <a:off x="5962650" y="0"/>
+              <a:ext cx="2924175" cy="2381250"/>
+            </a:xfrm>
+            <a:prstGeom prst="rect">
+              <a:avLst/>
+            </a:prstGeom>
+            <a:noFill/>
+            <a:ln>
+              <a:noFill/>
+            </a:ln>
+          </p:spPr>
+        </p:pic>
+        <p:pic>
+          <p:nvPicPr>
+            <p:cNvPr id="17" name="Imagen 16"/>
+            <p:cNvPicPr>
+              <a:picLocks noChangeAspect="1"/>
+            </p:cNvPicPr>
+            <p:nvPr/>
+          </p:nvPicPr>
+          <p:blipFill rotWithShape="1">
+            <a:blip r:embed="rId5">
+              <a:extLst>
+                <a:ext uri="{28A0092B-C50C-407E-A947-70E740481C1C}">
+                  <a14:useLocalDpi xmlns:a14="http://schemas.microsoft.com/office/drawing/2010/main" val="0"/>
+                </a:ext>
+              </a:extLst>
+            </a:blip>
+            <a:srcRect r="5969"/>
+            <a:stretch/>
+          </p:blipFill>
+          <p:spPr bwMode="auto">
+            <a:xfrm>
+              <a:off x="5972175" y="2362200"/>
+              <a:ext cx="2919782" cy="3025140"/>
+            </a:xfrm>
+            <a:prstGeom prst="rect">
+              <a:avLst/>
+            </a:prstGeom>
+            <a:noFill/>
+            <a:ln>
+              <a:noFill/>
+            </a:ln>
+          </p:spPr>
+        </p:pic>
+        <p:pic>
+          <p:nvPicPr>
+            <p:cNvPr id="18" name="Imagen 17"/>
+            <p:cNvPicPr>
+              <a:picLocks noChangeAspect="1"/>
+            </p:cNvPicPr>
+            <p:nvPr/>
+          </p:nvPicPr>
+          <p:blipFill>
+            <a:blip r:embed="rId6">
+              <a:extLst>
+                <a:ext uri="{28A0092B-C50C-407E-A947-70E740481C1C}">
+                  <a14:useLocalDpi xmlns:a14="http://schemas.microsoft.com/office/drawing/2010/main" val="0"/>
+                </a:ext>
+              </a:extLst>
+            </a:blip>
+            <a:srcRect/>
+            <a:stretch>
+              <a:fillRect/>
+            </a:stretch>
+          </p:blipFill>
+          <p:spPr bwMode="auto">
+            <a:xfrm>
+              <a:off x="2800350" y="2362200"/>
+              <a:ext cx="3164840" cy="3013075"/>
+            </a:xfrm>
+            <a:prstGeom prst="rect">
+              <a:avLst/>
+            </a:prstGeom>
+            <a:noFill/>
+            <a:ln>
+              <a:noFill/>
+            </a:ln>
+          </p:spPr>
+        </p:pic>
+        <p:pic>
+          <p:nvPicPr>
+            <p:cNvPr id="19" name="Imagen 18"/>
+            <p:cNvPicPr>
+              <a:picLocks noChangeAspect="1"/>
+            </p:cNvPicPr>
+            <p:nvPr/>
+          </p:nvPicPr>
+          <p:blipFill>
+            <a:blip r:embed="rId7">
+              <a:extLst>
+                <a:ext uri="{28A0092B-C50C-407E-A947-70E740481C1C}">
+                  <a14:useLocalDpi xmlns:a14="http://schemas.microsoft.com/office/drawing/2010/main" val="0"/>
+                </a:ext>
+              </a:extLst>
+            </a:blip>
+            <a:srcRect/>
+            <a:stretch>
+              <a:fillRect/>
+            </a:stretch>
+          </p:blipFill>
+          <p:spPr bwMode="auto">
+            <a:xfrm>
+              <a:off x="0" y="2443751"/>
+              <a:ext cx="2811780" cy="2936603"/>
+            </a:xfrm>
+            <a:prstGeom prst="rect">
+              <a:avLst/>
+            </a:prstGeom>
+            <a:noFill/>
+            <a:ln>
+              <a:noFill/>
+            </a:ln>
+          </p:spPr>
+        </p:pic>
+      </p:grpSp>
+    </p:spTree>
+    <p:extLst>
+      <p:ext uri="{BB962C8B-B14F-4D97-AF65-F5344CB8AC3E}">
+        <p14:creationId xmlns:p14="http://schemas.microsoft.com/office/powerpoint/2010/main" val="131575623"/>
+      </p:ext>
+    </p:extLst>
+  </p:cSld>
+  <p:clrMapOvr>
+    <a:masterClrMapping/>
+  </p:clrMapOvr>
+</p:sld>
+</file>
+
+<file path=ppt/slides/slide6.xml><?xml version="1.0" encoding="utf-8"?>
+<p:sld xmlns:a="http://schemas.openxmlformats.org/drawingml/2006/main" xmlns:r="http://schemas.openxmlformats.org/officeDocument/2006/relationships" xmlns:p="http://schemas.openxmlformats.org/presentationml/2006/main">
+  <p:cSld>
+    <p:spTree>
+      <p:nvGrpSpPr>
+        <p:cNvPr id="1" name=""/>
+        <p:cNvGrpSpPr/>
+        <p:nvPr/>
+      </p:nvGrpSpPr>
+      <p:grpSpPr>
+        <a:xfrm>
+          <a:off x="0" y="0"/>
+          <a:ext cx="0" cy="0"/>
+          <a:chOff x="0" y="0"/>
+          <a:chExt cx="0" cy="0"/>
+        </a:xfrm>
+      </p:grpSpPr>
+      <p:sp>
+        <p:nvSpPr>
+          <p:cNvPr id="2" name="Título 1">
+            <a:extLst>
+              <a:ext uri="{FF2B5EF4-FFF2-40B4-BE49-F238E27FC236}">
+                <a16:creationId xmlns:a16="http://schemas.microsoft.com/office/drawing/2014/main" xmlns="" id="{4A3301EA-5C9E-413A-9A2D-9EDA11DD0504}"/>
+              </a:ext>
+            </a:extLst>
+          </p:cNvPr>
+          <p:cNvSpPr>
+            <a:spLocks noGrp="1"/>
+          </p:cNvSpPr>
+          <p:nvPr>
+            <p:ph type="title"/>
+          </p:nvPr>
+        </p:nvSpPr>
+        <p:spPr>
+          <a:xfrm>
+            <a:off x="1103312" y="297973"/>
+            <a:ext cx="8787033" cy="939984"/>
+          </a:xfrm>
+        </p:spPr>
+        <p:txBody>
+          <a:bodyPr/>
+          <a:lstStyle/>
+          <a:p>
+            <a:r>
+              <a:rPr lang="es-ES" sz="2800" b="1" dirty="0"/>
+              <a:t>Diagrama de flujo entre Wireframes </a:t>
+            </a:r>
+            <a:r>
+              <a:rPr lang="es-ES" sz="2800" b="1" dirty="0" smtClean="0"/>
+              <a:t>Desktop (</a:t>
+            </a:r>
+            <a:r>
+              <a:rPr lang="es-ES" sz="2800" b="1" dirty="0"/>
+              <a:t>Gestor/Agente</a:t>
+            </a:r>
+            <a:r>
+              <a:rPr lang="es-ES" sz="2800" b="1" dirty="0"/>
+              <a:t>)</a:t>
+            </a:r>
+            <a:r>
+              <a:rPr lang="es-PE" dirty="0"/>
+              <a:t/>
+            </a:r>
+            <a:br>
+              <a:rPr lang="es-PE" dirty="0"/>
+            </a:br>
+            <a:endParaRPr lang="es-PE" dirty="0"/>
+          </a:p>
+        </p:txBody>
+      </p:sp>
+      <p:sp>
+        <p:nvSpPr>
+          <p:cNvPr id="4" name="Rectángulo 3"/>
+          <p:cNvSpPr/>
+          <p:nvPr/>
+        </p:nvSpPr>
+        <p:spPr>
+          <a:xfrm>
+            <a:off x="631065" y="1455314"/>
+            <a:ext cx="11178862" cy="5035638"/>
+          </a:xfrm>
+          <a:prstGeom prst="rect">
+            <a:avLst/>
+          </a:prstGeom>
+          <a:solidFill>
+            <a:schemeClr val="tx1"/>
+          </a:solidFill>
+          <a:ln>
+            <a:solidFill>
+              <a:schemeClr val="tx1"/>
+            </a:solidFill>
+          </a:ln>
+        </p:spPr>
+        <p:style>
+          <a:lnRef idx="2">
+            <a:schemeClr val="accent1">
+              <a:shade val="50000"/>
+            </a:schemeClr>
+          </a:lnRef>
+          <a:fillRef idx="1">
+            <a:schemeClr val="accent1"/>
+          </a:fillRef>
+          <a:effectRef idx="0">
+            <a:schemeClr val="accent1"/>
+          </a:effectRef>
+          <a:fontRef idx="minor">
+            <a:schemeClr val="lt1"/>
+          </a:fontRef>
+        </p:style>
+        <p:txBody>
+          <a:bodyPr rtlCol="0" anchor="ctr"/>
+          <a:lstStyle/>
+          <a:p>
+            <a:pPr algn="ctr"/>
+            <a:endParaRPr lang="es-PE"/>
+          </a:p>
+        </p:txBody>
+      </p:sp>
+      <p:grpSp>
+        <p:nvGrpSpPr>
+          <p:cNvPr id="11" name="Grupo 10"/>
+          <p:cNvGrpSpPr/>
+          <p:nvPr/>
+        </p:nvGrpSpPr>
+        <p:grpSpPr>
+          <a:xfrm>
+            <a:off x="631065" y="1455314"/>
+            <a:ext cx="11011436" cy="4790941"/>
+            <a:chOff x="0" y="0"/>
+            <a:chExt cx="8886825" cy="5174978"/>
+          </a:xfrm>
+        </p:grpSpPr>
+        <p:pic>
+          <p:nvPicPr>
+            <p:cNvPr id="12" name="Imagen 11"/>
+            <p:cNvPicPr>
+              <a:picLocks noChangeAspect="1"/>
+            </p:cNvPicPr>
+            <p:nvPr/>
+          </p:nvPicPr>
+          <p:blipFill>
+            <a:blip r:embed="rId2">
+              <a:extLst>
+                <a:ext uri="{28A0092B-C50C-407E-A947-70E740481C1C}">
+                  <a14:useLocalDpi xmlns:a14="http://schemas.microsoft.com/office/drawing/2010/main" val="0"/>
+                </a:ext>
+              </a:extLst>
+            </a:blip>
+            <a:srcRect/>
+            <a:stretch>
+              <a:fillRect/>
+            </a:stretch>
+          </p:blipFill>
+          <p:spPr bwMode="auto">
+            <a:xfrm>
+              <a:off x="0" y="9525"/>
+              <a:ext cx="2377440" cy="1709420"/>
+            </a:xfrm>
+            <a:prstGeom prst="rect">
+              <a:avLst/>
+            </a:prstGeom>
+            <a:noFill/>
+            <a:ln>
+              <a:noFill/>
+            </a:ln>
+          </p:spPr>
+        </p:pic>
+        <p:pic>
+          <p:nvPicPr>
+            <p:cNvPr id="13" name="Imagen 12"/>
+            <p:cNvPicPr>
+              <a:picLocks noChangeAspect="1"/>
+            </p:cNvPicPr>
+            <p:nvPr/>
+          </p:nvPicPr>
+          <p:blipFill>
+            <a:blip r:embed="rId3">
+              <a:extLst>
+                <a:ext uri="{28A0092B-C50C-407E-A947-70E740481C1C}">
+                  <a14:useLocalDpi xmlns:a14="http://schemas.microsoft.com/office/drawing/2010/main" val="0"/>
+                </a:ext>
+              </a:extLst>
+            </a:blip>
+            <a:srcRect/>
+            <a:stretch>
+              <a:fillRect/>
+            </a:stretch>
+          </p:blipFill>
+          <p:spPr bwMode="auto">
+            <a:xfrm>
+              <a:off x="2381250" y="0"/>
+              <a:ext cx="3390900" cy="2362200"/>
+            </a:xfrm>
+            <a:prstGeom prst="rect">
+              <a:avLst/>
+            </a:prstGeom>
+            <a:noFill/>
+            <a:ln>
+              <a:noFill/>
+            </a:ln>
+          </p:spPr>
+        </p:pic>
+        <p:pic>
+          <p:nvPicPr>
+            <p:cNvPr id="14" name="Imagen 13"/>
+            <p:cNvPicPr>
+              <a:picLocks noChangeAspect="1"/>
+            </p:cNvPicPr>
+            <p:nvPr/>
+          </p:nvPicPr>
+          <p:blipFill>
+            <a:blip r:embed="rId4">
+              <a:extLst>
+                <a:ext uri="{28A0092B-C50C-407E-A947-70E740481C1C}">
+                  <a14:useLocalDpi xmlns:a14="http://schemas.microsoft.com/office/drawing/2010/main" val="0"/>
+                </a:ext>
+              </a:extLst>
+            </a:blip>
+            <a:srcRect/>
+            <a:stretch>
+              <a:fillRect/>
+            </a:stretch>
+          </p:blipFill>
+          <p:spPr bwMode="auto">
+            <a:xfrm>
+              <a:off x="5772150" y="0"/>
+              <a:ext cx="3114675" cy="2362200"/>
+            </a:xfrm>
+            <a:prstGeom prst="rect">
+              <a:avLst/>
+            </a:prstGeom>
+            <a:noFill/>
+            <a:ln>
+              <a:noFill/>
+            </a:ln>
+          </p:spPr>
+        </p:pic>
+        <p:pic>
+          <p:nvPicPr>
+            <p:cNvPr id="15" name="Imagen 14"/>
+            <p:cNvPicPr>
+              <a:picLocks noChangeAspect="1"/>
+            </p:cNvPicPr>
+            <p:nvPr/>
+          </p:nvPicPr>
+          <p:blipFill rotWithShape="1">
+            <a:blip r:embed="rId5">
+              <a:extLst>
+                <a:ext uri="{28A0092B-C50C-407E-A947-70E740481C1C}">
+                  <a14:useLocalDpi xmlns:a14="http://schemas.microsoft.com/office/drawing/2010/main" val="0"/>
+                </a:ext>
+              </a:extLst>
+            </a:blip>
+            <a:srcRect t="4785"/>
+            <a:stretch/>
+          </p:blipFill>
+          <p:spPr bwMode="auto">
+            <a:xfrm>
+              <a:off x="5776912" y="2362201"/>
+              <a:ext cx="3105150" cy="2812777"/>
+            </a:xfrm>
+            <a:prstGeom prst="rect">
+              <a:avLst/>
+            </a:prstGeom>
+            <a:noFill/>
+            <a:ln>
+              <a:noFill/>
+            </a:ln>
+          </p:spPr>
+        </p:pic>
+      </p:grpSp>
+    </p:spTree>
+    <p:extLst>
+      <p:ext uri="{BB962C8B-B14F-4D97-AF65-F5344CB8AC3E}">
+        <p14:creationId xmlns:p14="http://schemas.microsoft.com/office/powerpoint/2010/main" val="2262071254"/>
+      </p:ext>
+    </p:extLst>
+  </p:cSld>
+  <p:clrMapOvr>
+    <a:masterClrMapping/>
+  </p:clrMapOvr>
+</p:sld>
+</file>
+
+<file path=ppt/slides/slide7.xml><?xml version="1.0" encoding="utf-8"?>
+<p:sld xmlns:a="http://schemas.openxmlformats.org/drawingml/2006/main" xmlns:r="http://schemas.openxmlformats.org/officeDocument/2006/relationships" xmlns:p="http://schemas.openxmlformats.org/presentationml/2006/main">
+  <p:cSld>
+    <p:spTree>
+      <p:nvGrpSpPr>
+        <p:cNvPr id="1" name=""/>
+        <p:cNvGrpSpPr/>
+        <p:nvPr/>
+      </p:nvGrpSpPr>
+      <p:grpSpPr>
+        <a:xfrm>
+          <a:off x="0" y="0"/>
+          <a:ext cx="0" cy="0"/>
+          <a:chOff x="0" y="0"/>
+          <a:chExt cx="0" cy="0"/>
+        </a:xfrm>
+      </p:grpSpPr>
+      <p:sp>
+        <p:nvSpPr>
+          <p:cNvPr id="2" name="Título 1">
+            <a:extLst>
+              <a:ext uri="{FF2B5EF4-FFF2-40B4-BE49-F238E27FC236}">
+                <a16:creationId xmlns:a16="http://schemas.microsoft.com/office/drawing/2014/main" xmlns="" id="{3D14D51E-76D7-45AC-911B-F0B297D44027}"/>
+              </a:ext>
+            </a:extLst>
+          </p:cNvPr>
+          <p:cNvSpPr>
+            <a:spLocks noGrp="1"/>
+          </p:cNvSpPr>
+          <p:nvPr>
+            <p:ph type="title"/>
+          </p:nvPr>
+        </p:nvSpPr>
+        <p:spPr/>
+        <p:txBody>
+          <a:bodyPr/>
+          <a:lstStyle/>
+          <a:p>
+            <a:r>
+              <a:rPr lang="es-ES" b="1" dirty="0" err="1"/>
+              <a:t>WireFrames</a:t>
+            </a:r>
+            <a:r>
+              <a:rPr lang="es-ES" b="1" dirty="0"/>
+              <a:t> </a:t>
+            </a:r>
+            <a:r>
+              <a:rPr lang="es-ES" b="1" dirty="0" err="1"/>
+              <a:t>Movil</a:t>
+            </a:r>
+            <a:r>
+              <a:rPr lang="es-PE" dirty="0"/>
+              <a:t/>
+            </a:r>
+            <a:br>
+              <a:rPr lang="es-PE" dirty="0"/>
+            </a:br>
+            <a:endParaRPr lang="es-PE" dirty="0"/>
+          </a:p>
+        </p:txBody>
+      </p:sp>
+      <p:sp>
+        <p:nvSpPr>
+          <p:cNvPr id="3" name="Marcador de contenido 2">
+            <a:extLst>
+              <a:ext uri="{FF2B5EF4-FFF2-40B4-BE49-F238E27FC236}">
+                <a16:creationId xmlns:a16="http://schemas.microsoft.com/office/drawing/2014/main" xmlns="" id="{8E67C468-FE6C-4D6C-9D47-74E28B1790D9}"/>
+              </a:ext>
+            </a:extLst>
+          </p:cNvPr>
+          <p:cNvSpPr>
+            <a:spLocks noGrp="1"/>
+          </p:cNvSpPr>
+          <p:nvPr>
+            <p:ph idx="1"/>
+          </p:nvPr>
+        </p:nvSpPr>
+        <p:spPr/>
+        <p:txBody>
+          <a:bodyPr/>
+          <a:lstStyle/>
+          <a:p>
+            <a:r>
+              <a:rPr lang="es-ES" b="1" dirty="0"/>
+              <a:t>Administrador/Supervisor/Dueño: </a:t>
+            </a:r>
+            <a:r>
+              <a:rPr lang="es-PE" u="sng" dirty="0">
+                <a:hlinkClick r:id="rId2"/>
+              </a:rPr>
+              <a:t>https://www.lucidchart.com/invitations/accept/be8335f3-e2ef-47e0-9a2f-a58450d58330</a:t>
+            </a:r>
+            <a:endParaRPr lang="es-PE" u="sng" dirty="0"/>
+          </a:p>
+          <a:p>
+            <a:endParaRPr lang="es-PE" u="sng" dirty="0"/>
+          </a:p>
+          <a:p>
+            <a:pPr marL="0" indent="0">
+              <a:buNone/>
+            </a:pPr>
+            <a:endParaRPr lang="es-PE" dirty="0"/>
+          </a:p>
+          <a:p>
+            <a:r>
+              <a:rPr lang="es-ES" b="1" dirty="0"/>
+              <a:t>Gestor/Agente: </a:t>
+            </a:r>
+            <a:endParaRPr lang="es-PE" dirty="0"/>
+          </a:p>
+          <a:p>
+            <a:pPr marL="0" indent="0">
+              <a:buNone/>
+            </a:pPr>
+            <a:r>
+              <a:rPr lang="es-ES" u="sng" dirty="0">
+                <a:hlinkClick r:id="rId3"/>
+              </a:rPr>
+              <a:t>https://www.lucidchart.com/invitations/accept/8e45d7dd-db87-496c-b2d1-63c0eed44d68</a:t>
+            </a:r>
+            <a:endParaRPr lang="es-PE" dirty="0"/>
+          </a:p>
+          <a:p>
+            <a:endParaRPr lang="es-PE" dirty="0"/>
+          </a:p>
+        </p:txBody>
+      </p:sp>
+    </p:spTree>
+    <p:extLst>
+      <p:ext uri="{BB962C8B-B14F-4D97-AF65-F5344CB8AC3E}">
+        <p14:creationId xmlns:p14="http://schemas.microsoft.com/office/powerpoint/2010/main" val="4262899324"/>
+      </p:ext>
+    </p:extLst>
+  </p:cSld>
+  <p:clrMapOvr>
+    <a:masterClrMapping/>
+  </p:clrMapOvr>
+</p:sld>
+</file>
+
+<file path=ppt/slides/slide8.xml><?xml version="1.0" encoding="utf-8"?>
+<p:sld xmlns:a="http://schemas.openxmlformats.org/drawingml/2006/main" xmlns:r="http://schemas.openxmlformats.org/officeDocument/2006/relationships" xmlns:p="http://schemas.openxmlformats.org/presentationml/2006/main">
+  <p:cSld>
+    <p:spTree>
+      <p:nvGrpSpPr>
+        <p:cNvPr id="1" name=""/>
+        <p:cNvGrpSpPr/>
+        <p:nvPr/>
+      </p:nvGrpSpPr>
+      <p:grpSpPr>
+        <a:xfrm>
+          <a:off x="0" y="0"/>
+          <a:ext cx="0" cy="0"/>
+          <a:chOff x="0" y="0"/>
+          <a:chExt cx="0" cy="0"/>
+        </a:xfrm>
+      </p:grpSpPr>
+      <p:sp>
+        <p:nvSpPr>
+          <p:cNvPr id="2" name="Título 1">
+            <a:extLst>
+              <a:ext uri="{FF2B5EF4-FFF2-40B4-BE49-F238E27FC236}">
+                <a16:creationId xmlns:a16="http://schemas.microsoft.com/office/drawing/2014/main" xmlns="" id="{2BF4D5DF-C50B-4708-A43A-914AEA7DFDCA}"/>
+              </a:ext>
+            </a:extLst>
+          </p:cNvPr>
+          <p:cNvSpPr>
+            <a:spLocks noGrp="1"/>
+          </p:cNvSpPr>
+          <p:nvPr>
+            <p:ph type="title"/>
+          </p:nvPr>
+        </p:nvSpPr>
+        <p:spPr>
+          <a:xfrm>
+            <a:off x="645130" y="169382"/>
+            <a:ext cx="9404723" cy="1015474"/>
+          </a:xfrm>
+        </p:spPr>
+        <p:txBody>
+          <a:bodyPr/>
+          <a:lstStyle/>
+          <a:p>
+            <a:r>
+              <a:rPr lang="es-ES" sz="2800" b="1" dirty="0"/>
               <a:t>Diagrama de flujo entre </a:t>
             </a:r>
             <a:r>
@@ -8351,6 +9180,10 @@
             <a:r>
               <a:rPr lang="es-ES" sz="2800" b="1" dirty="0"/>
               <a:t> Mobile (Supervisor/Administrador)</a:t>
+            </a:r>
+            <a:r>
+              <a:rPr lang="es-PE" dirty="0"/>
+              <a:t/>
             </a:r>
             <a:br>
               <a:rPr lang="es-PE" dirty="0"/>
@@ -8364,7 +9197,7 @@
           <p:cNvPr id="4" name="Marcador de contenido 3">
             <a:extLst>
               <a:ext uri="{FF2B5EF4-FFF2-40B4-BE49-F238E27FC236}">
-                <a16:creationId xmlns:a16="http://schemas.microsoft.com/office/drawing/2014/main" id="{01974B2C-A323-4E55-B623-EFB7BB77441D}"/>
+                <a16:creationId xmlns:a16="http://schemas.microsoft.com/office/drawing/2014/main" xmlns="" id="{01974B2C-A323-4E55-B623-EFB7BB77441D}"/>
               </a:ext>
             </a:extLst>
           </p:cNvPr>
@@ -8415,7 +9248,7 @@
 </p:sld>
 </file>
 
-<file path=ppt/slides/slide6.xml><?xml version="1.0" encoding="utf-8"?>
+<file path=ppt/slides/slide9.xml><?xml version="1.0" encoding="utf-8"?>
 <p:sld xmlns:a="http://schemas.openxmlformats.org/drawingml/2006/main" xmlns:r="http://schemas.openxmlformats.org/officeDocument/2006/relationships" xmlns:p="http://schemas.openxmlformats.org/presentationml/2006/main">
   <p:cSld>
     <p:spTree>
@@ -8437,7 +9270,7 @@
           <p:cNvPr id="2" name="Título 1">
             <a:extLst>
               <a:ext uri="{FF2B5EF4-FFF2-40B4-BE49-F238E27FC236}">
-                <a16:creationId xmlns:a16="http://schemas.microsoft.com/office/drawing/2014/main" id="{4A3301EA-5C9E-413A-9A2D-9EDA11DD0504}"/>
+                <a16:creationId xmlns:a16="http://schemas.microsoft.com/office/drawing/2014/main" xmlns="" id="{4A3301EA-5C9E-413A-9A2D-9EDA11DD0504}"/>
               </a:ext>
             </a:extLst>
           </p:cNvPr>
@@ -8470,6 +9303,10 @@
               <a:rPr lang="es-ES" sz="2800" b="1" dirty="0"/>
               <a:t> Mobile(Gestor/Agente)</a:t>
             </a:r>
+            <a:r>
+              <a:rPr lang="es-PE" dirty="0"/>
+              <a:t/>
+            </a:r>
             <a:br>
               <a:rPr lang="es-PE" dirty="0"/>
             </a:br>
@@ -8482,7 +9319,7 @@
           <p:cNvPr id="7" name="Marcador de contenido 6">
             <a:extLst>
               <a:ext uri="{FF2B5EF4-FFF2-40B4-BE49-F238E27FC236}">
-                <a16:creationId xmlns:a16="http://schemas.microsoft.com/office/drawing/2014/main" id="{4A77DB37-B14E-45BD-BD85-4FE656FE9A5B}"/>
+                <a16:creationId xmlns:a16="http://schemas.microsoft.com/office/drawing/2014/main" xmlns="" id="{4A77DB37-B14E-45BD-BD85-4FE656FE9A5B}"/>
               </a:ext>
             </a:extLst>
           </p:cNvPr>
